--- a/lab/commapp/docs/images/overview.pptx
+++ b/lab/commapp/docs/images/overview.pptx
@@ -3397,8 +3397,8 @@
         </p:nvSpPr>
         <p:spPr>
           <a:xfrm>
-            <a:off x="2617271" y="1857052"/>
-            <a:ext cx="1445342" cy="4071799"/>
+            <a:off x="2588674" y="1857052"/>
+            <a:ext cx="1287127" cy="4071799"/>
           </a:xfrm>
           <a:prstGeom prst="rect">
             <a:avLst/>
@@ -3746,7 +3746,7 @@
         <p:spPr>
           <a:xfrm>
             <a:off x="8118083" y="1831857"/>
-            <a:ext cx="2485607" cy="4096993"/>
+            <a:ext cx="2499725" cy="4096993"/>
           </a:xfrm>
           <a:prstGeom prst="rect">
             <a:avLst/>
@@ -3919,8 +3919,8 @@
         </p:nvSpPr>
         <p:spPr>
           <a:xfrm>
-            <a:off x="10936878" y="1332270"/>
-            <a:ext cx="1127337" cy="4945626"/>
+            <a:off x="10811900" y="1332270"/>
+            <a:ext cx="1252316" cy="4945626"/>
           </a:xfrm>
           <a:prstGeom prst="rect">
             <a:avLst/>
@@ -4374,8 +4374,8 @@
         </p:nvSpPr>
         <p:spPr>
           <a:xfrm>
-            <a:off x="2755188" y="3185637"/>
-            <a:ext cx="1199535" cy="540777"/>
+            <a:off x="2772633" y="3185637"/>
+            <a:ext cx="995279" cy="540777"/>
           </a:xfrm>
           <a:prstGeom prst="rect">
             <a:avLst/>
@@ -4444,8 +4444,8 @@
         </p:nvSpPr>
         <p:spPr>
           <a:xfrm>
-            <a:off x="2749532" y="4056380"/>
-            <a:ext cx="1199535" cy="561669"/>
+            <a:off x="2772633" y="4056380"/>
+            <a:ext cx="989623" cy="561669"/>
           </a:xfrm>
           <a:prstGeom prst="rect">
             <a:avLst/>
@@ -4514,8 +4514,8 @@
         </p:nvSpPr>
         <p:spPr>
           <a:xfrm>
-            <a:off x="2741328" y="4976980"/>
-            <a:ext cx="1199535" cy="368714"/>
+            <a:off x="2764429" y="4976980"/>
+            <a:ext cx="989623" cy="368714"/>
           </a:xfrm>
           <a:prstGeom prst="rect">
             <a:avLst/>
@@ -4573,8 +4573,8 @@
         </p:nvSpPr>
         <p:spPr>
           <a:xfrm>
-            <a:off x="2755185" y="2390452"/>
-            <a:ext cx="1199535" cy="368714"/>
+            <a:off x="2772630" y="2390452"/>
+            <a:ext cx="995279" cy="368714"/>
           </a:xfrm>
           <a:prstGeom prst="rect">
             <a:avLst/>
@@ -4701,6 +4701,7 @@
             </a:extLst>
           </p:cNvPr>
           <p:cNvCxnSpPr>
+            <a:cxnSpLocks/>
             <a:stCxn id="18" idx="0"/>
             <a:endCxn id="21" idx="2"/>
           </p:cNvCxnSpPr>
@@ -4708,7 +4709,7 @@
         </p:nvCxnSpPr>
         <p:spPr>
           <a:xfrm flipH="1" flipV="1">
-            <a:off x="3354953" y="2759166"/>
+            <a:off x="3270270" y="2759166"/>
             <a:ext cx="3" cy="426471"/>
           </a:xfrm>
           <a:prstGeom prst="straightConnector1">
@@ -4822,8 +4823,8 @@
         </p:nvCxnSpPr>
         <p:spPr>
           <a:xfrm flipH="1">
-            <a:off x="3954723" y="3456026"/>
-            <a:ext cx="860160" cy="0"/>
+            <a:off x="3767912" y="3456026"/>
+            <a:ext cx="1046971" cy="0"/>
           </a:xfrm>
           <a:prstGeom prst="straightConnector1">
             <a:avLst/>
@@ -5098,8 +5099,8 @@
         </p:nvCxnSpPr>
         <p:spPr>
           <a:xfrm rot="5400000" flipH="1" flipV="1">
-            <a:off x="8328397" y="-882381"/>
-            <a:ext cx="957498" cy="5386801"/>
+            <a:off x="8297153" y="-851137"/>
+            <a:ext cx="957498" cy="5324312"/>
           </a:xfrm>
           <a:prstGeom prst="bentConnector3">
             <a:avLst>
@@ -5107,6 +5108,9 @@
             </a:avLst>
           </a:prstGeom>
           <a:ln>
+            <a:solidFill>
+              <a:schemeClr val="tx1"/>
+            </a:solidFill>
             <a:tailEnd type="triangle"/>
           </a:ln>
         </p:spPr>
@@ -5451,8 +5455,8 @@
         </p:nvCxnSpPr>
         <p:spPr>
           <a:xfrm rot="16200000" flipH="1">
-            <a:off x="8505438" y="3282786"/>
-            <a:ext cx="623765" cy="5366453"/>
+            <a:off x="8474194" y="3314031"/>
+            <a:ext cx="623765" cy="5303964"/>
           </a:xfrm>
           <a:prstGeom prst="bentConnector3">
             <a:avLst>
@@ -5460,6 +5464,9 @@
             </a:avLst>
           </a:prstGeom>
           <a:ln>
+            <a:solidFill>
+              <a:schemeClr val="tx1"/>
+            </a:solidFill>
             <a:tailEnd type="triangle"/>
           </a:ln>
         </p:spPr>
@@ -5627,8 +5634,8 @@
         </p:nvSpPr>
         <p:spPr>
           <a:xfrm>
-            <a:off x="9428336" y="3571552"/>
-            <a:ext cx="1018899" cy="540777"/>
+            <a:off x="9468786" y="3225432"/>
+            <a:ext cx="1023182" cy="1392618"/>
           </a:xfrm>
           <a:prstGeom prst="rect">
             <a:avLst/>
@@ -5662,7 +5669,7 @@
                   <a:schemeClr val="tx1"/>
                 </a:solidFill>
               </a:rPr>
-              <a:t>Backend_</a:t>
+              <a:t>W: Backend_</a:t>
             </a:r>
           </a:p>
           <a:p>
@@ -5673,7 +5680,40 @@
                   <a:schemeClr val="tx1"/>
                 </a:solidFill>
               </a:rPr>
-              <a:t>simulator</a:t>
+              <a:t>Simulator</a:t>
+            </a:r>
+          </a:p>
+          <a:p>
+            <a:pPr algn="ctr"/>
+            <a:r>
+              <a:rPr lang="en-GB" sz="1200" dirty="0">
+                <a:solidFill>
+                  <a:schemeClr val="tx1"/>
+                </a:solidFill>
+              </a:rPr>
+              <a:t>F:Filter_</a:t>
+            </a:r>
+          </a:p>
+          <a:p>
+            <a:pPr algn="ctr"/>
+            <a:r>
+              <a:rPr lang="en-GB" sz="1200" dirty="0">
+                <a:solidFill>
+                  <a:schemeClr val="tx1"/>
+                </a:solidFill>
+              </a:rPr>
+              <a:t>Backend_</a:t>
+            </a:r>
+          </a:p>
+          <a:p>
+            <a:pPr algn="ctr"/>
+            <a:r>
+              <a:rPr lang="en-GB" sz="1200" dirty="0">
+                <a:solidFill>
+                  <a:schemeClr val="tx1"/>
+                </a:solidFill>
+              </a:rPr>
+              <a:t>Simulator</a:t>
             </a:r>
           </a:p>
         </p:txBody>
@@ -5688,18 +5728,21 @@
             </a:extLst>
           </p:cNvPr>
           <p:cNvCxnSpPr>
-            <a:stCxn id="39" idx="3"/>
+            <a:cxnSpLocks/>
+            <a:stCxn id="39" idx="0"/>
             <a:endCxn id="45" idx="0"/>
           </p:cNvCxnSpPr>
           <p:nvPr/>
         </p:nvCxnSpPr>
         <p:spPr>
-          <a:xfrm>
-            <a:off x="9247541" y="3456026"/>
-            <a:ext cx="690245" cy="115526"/>
-          </a:xfrm>
-          <a:prstGeom prst="bentConnector2">
-            <a:avLst/>
+          <a:xfrm rot="16200000" flipH="1">
+            <a:off x="9361973" y="2607028"/>
+            <a:ext cx="39795" cy="1197012"/>
+          </a:xfrm>
+          <a:prstGeom prst="bentConnector3">
+            <a:avLst>
+              <a:gd name="adj1" fmla="val -574444"/>
+            </a:avLst>
           </a:prstGeom>
           <a:ln>
             <a:tailEnd type="triangle"/>
@@ -5732,17 +5775,19 @@
           <p:cNvCxnSpPr>
             <a:cxnSpLocks/>
             <a:stCxn id="45" idx="2"/>
-            <a:endCxn id="44" idx="3"/>
+            <a:endCxn id="44" idx="2"/>
           </p:cNvCxnSpPr>
           <p:nvPr/>
         </p:nvCxnSpPr>
         <p:spPr>
-          <a:xfrm rot="5400000">
-            <a:off x="9481798" y="3881227"/>
-            <a:ext cx="224886" cy="687090"/>
-          </a:xfrm>
-          <a:prstGeom prst="bentConnector2">
-            <a:avLst/>
+          <a:xfrm rot="5400000" flipH="1">
+            <a:off x="9378225" y="4015899"/>
+            <a:ext cx="10447" cy="1193857"/>
+          </a:xfrm>
+          <a:prstGeom prst="bentConnector3">
+            <a:avLst>
+              <a:gd name="adj1" fmla="val -2188188"/>
+            </a:avLst>
           </a:prstGeom>
           <a:ln>
             <a:tailEnd type="triangle"/>
@@ -5781,8 +5826,8 @@
         </p:nvCxnSpPr>
         <p:spPr>
           <a:xfrm>
-            <a:off x="3949067" y="4337215"/>
-            <a:ext cx="875073" cy="0"/>
+            <a:off x="3762256" y="4337215"/>
+            <a:ext cx="1061884" cy="0"/>
           </a:xfrm>
           <a:prstGeom prst="straightConnector1">
             <a:avLst/>
@@ -5909,7 +5954,7 @@
         </p:nvSpPr>
         <p:spPr>
           <a:xfrm>
-            <a:off x="9340003" y="4392899"/>
+            <a:off x="9064700" y="4889868"/>
             <a:ext cx="1064933" cy="246221"/>
           </a:xfrm>
           <a:prstGeom prst="rect">
@@ -5945,7 +5990,7 @@
         </p:nvSpPr>
         <p:spPr>
           <a:xfrm>
-            <a:off x="9325254" y="3011464"/>
+            <a:off x="8967190" y="2488134"/>
             <a:ext cx="1162443" cy="400110"/>
           </a:xfrm>
           <a:prstGeom prst="rect">
@@ -6284,7 +6329,7 @@
         <p:spPr>
           <a:xfrm>
             <a:off x="1668179" y="2570389"/>
-            <a:ext cx="1087006" cy="4420"/>
+            <a:ext cx="1104451" cy="4420"/>
           </a:xfrm>
           <a:prstGeom prst="bentConnector3">
             <a:avLst>
@@ -6425,13 +6470,14 @@
           <p:cNvCxnSpPr>
             <a:cxnSpLocks/>
             <a:stCxn id="20" idx="0"/>
+            <a:endCxn id="19" idx="2"/>
           </p:cNvCxnSpPr>
           <p:nvPr/>
         </p:nvCxnSpPr>
         <p:spPr>
-          <a:xfrm flipH="1" flipV="1">
-            <a:off x="3341095" y="4658616"/>
-            <a:ext cx="1" cy="318364"/>
+          <a:xfrm flipV="1">
+            <a:off x="3259241" y="4618049"/>
+            <a:ext cx="8204" cy="358931"/>
           </a:xfrm>
           <a:prstGeom prst="straightConnector1">
             <a:avLst/>
@@ -6470,8 +6516,8 @@
         </p:nvSpPr>
         <p:spPr>
           <a:xfrm>
-            <a:off x="3356758" y="4580491"/>
-            <a:ext cx="922647" cy="400110"/>
+            <a:off x="2651651" y="4622016"/>
+            <a:ext cx="733849" cy="400110"/>
           </a:xfrm>
           <a:prstGeom prst="rect">
             <a:avLst/>
@@ -6512,7 +6558,7 @@
         </p:nvSpPr>
         <p:spPr>
           <a:xfrm>
-            <a:off x="3322344" y="2746771"/>
+            <a:off x="2754620" y="2774848"/>
             <a:ext cx="922647" cy="400110"/>
           </a:xfrm>
           <a:prstGeom prst="rect">
@@ -6613,7 +6659,7 @@
         </p:nvSpPr>
         <p:spPr>
           <a:xfrm>
-            <a:off x="2942888" y="5582112"/>
+            <a:off x="2756077" y="5582112"/>
             <a:ext cx="989623" cy="260111"/>
           </a:xfrm>
           <a:prstGeom prst="rect">
@@ -6793,8 +6839,8 @@
         </p:nvCxnSpPr>
         <p:spPr>
           <a:xfrm rot="5400000" flipH="1" flipV="1">
-            <a:off x="2186104" y="4647829"/>
-            <a:ext cx="57202" cy="2445989"/>
+            <a:off x="2092699" y="4741235"/>
+            <a:ext cx="57202" cy="2259178"/>
           </a:xfrm>
           <a:prstGeom prst="bentConnector3">
             <a:avLst>
@@ -7169,6 +7215,90 @@
                 <a:schemeClr val="tx1"/>
               </a:solidFill>
             </a:endParaRPr>
+          </a:p>
+        </p:txBody>
+      </p:sp>
+      <p:sp>
+        <p:nvSpPr>
+          <p:cNvPr id="179" name="Rectangle 178">
+            <a:extLst>
+              <a:ext uri="{FF2B5EF4-FFF2-40B4-BE49-F238E27FC236}">
+                <a16:creationId xmlns:a16="http://schemas.microsoft.com/office/drawing/2014/main" id="{DEA662A3-5EAB-9502-A4F8-C86F229FEA51}"/>
+              </a:ext>
+            </a:extLst>
+          </p:cNvPr>
+          <p:cNvSpPr/>
+          <p:nvPr/>
+        </p:nvSpPr>
+        <p:spPr>
+          <a:xfrm>
+            <a:off x="10933542" y="3108774"/>
+            <a:ext cx="1023182" cy="1392618"/>
+          </a:xfrm>
+          <a:prstGeom prst="rect">
+            <a:avLst/>
+          </a:prstGeom>
+          <a:noFill/>
+        </p:spPr>
+        <p:style>
+          <a:lnRef idx="2">
+            <a:schemeClr val="accent1">
+              <a:shade val="15000"/>
+            </a:schemeClr>
+          </a:lnRef>
+          <a:fillRef idx="1">
+            <a:schemeClr val="accent1"/>
+          </a:fillRef>
+          <a:effectRef idx="0">
+            <a:schemeClr val="accent1"/>
+          </a:effectRef>
+          <a:fontRef idx="minor">
+            <a:schemeClr val="lt1"/>
+          </a:fontRef>
+        </p:style>
+        <p:txBody>
+          <a:bodyPr rtlCol="0" anchor="ctr"/>
+          <a:lstStyle/>
+          <a:p>
+            <a:pPr algn="ctr"/>
+            <a:r>
+              <a:rPr lang="en-GB" sz="1200" dirty="0">
+                <a:solidFill>
+                  <a:schemeClr val="tx1"/>
+                </a:solidFill>
+              </a:rPr>
+              <a:t>W:</a:t>
+            </a:r>
+          </a:p>
+          <a:p>
+            <a:pPr algn="ctr"/>
+            <a:endParaRPr lang="en-GB" sz="1200" dirty="0">
+              <a:solidFill>
+                <a:schemeClr val="tx1"/>
+              </a:solidFill>
+            </a:endParaRPr>
+          </a:p>
+          <a:p>
+            <a:pPr algn="ctr"/>
+            <a:r>
+              <a:rPr lang="en-GB" sz="1200" dirty="0">
+                <a:solidFill>
+                  <a:schemeClr val="tx1"/>
+                </a:solidFill>
+              </a:rPr>
+              <a:t>F:filter crypto_</a:t>
+            </a:r>
+          </a:p>
+          <a:p>
+            <a:pPr algn="ctr"/>
+            <a:r>
+              <a:rPr lang="en-GB" sz="1200" dirty="0">
+                <a:solidFill>
+                  <a:schemeClr val="tx1"/>
+                </a:solidFill>
+              </a:rPr>
+              <a:t>answers</a:t>
+            </a:r>
           </a:p>
         </p:txBody>
       </p:sp>
